--- a/presentations/weekly_meetings/7_11_24.pptx
+++ b/presentations/weekly_meetings/7_11_24.pptx
@@ -216,7 +216,7 @@
           <a:p>
             <a:fld id="{E933A773-0DCE-3544-BB67-D5FA58DF903C}" type="datetimeFigureOut">
               <a:rPr lang="en-US" smtClean="0"/>
-              <a:t>7/1/24</a:t>
+              <a:t>7/8/24</a:t>
             </a:fld>
             <a:endParaRPr lang="en-US"/>
           </a:p>
@@ -1752,7 +1752,7 @@
           <a:p>
             <a:fld id="{80FC6068-BAFB-FC44-B9D8-F4B3BB105DE6}" type="datetimeFigureOut">
               <a:rPr lang="en-US" smtClean="0"/>
-              <a:t>7/1/24</a:t>
+              <a:t>7/8/24</a:t>
             </a:fld>
             <a:endParaRPr lang="en-US"/>
           </a:p>
@@ -1950,7 +1950,7 @@
           <a:p>
             <a:fld id="{80FC6068-BAFB-FC44-B9D8-F4B3BB105DE6}" type="datetimeFigureOut">
               <a:rPr lang="en-US" smtClean="0"/>
-              <a:t>7/1/24</a:t>
+              <a:t>7/8/24</a:t>
             </a:fld>
             <a:endParaRPr lang="en-US"/>
           </a:p>
@@ -2158,7 +2158,7 @@
           <a:p>
             <a:fld id="{80FC6068-BAFB-FC44-B9D8-F4B3BB105DE6}" type="datetimeFigureOut">
               <a:rPr lang="en-US" smtClean="0"/>
-              <a:t>7/1/24</a:t>
+              <a:t>7/8/24</a:t>
             </a:fld>
             <a:endParaRPr lang="en-US"/>
           </a:p>
@@ -2362,7 +2362,7 @@
           <a:p>
             <a:fld id="{80FC6068-BAFB-FC44-B9D8-F4B3BB105DE6}" type="datetimeFigureOut">
               <a:rPr lang="en-US" smtClean="0"/>
-              <a:t>7/1/24</a:t>
+              <a:t>7/8/24</a:t>
             </a:fld>
             <a:endParaRPr lang="en-US"/>
           </a:p>
@@ -2653,7 +2653,7 @@
           <a:p>
             <a:fld id="{80FC6068-BAFB-FC44-B9D8-F4B3BB105DE6}" type="datetimeFigureOut">
               <a:rPr lang="en-US" smtClean="0"/>
-              <a:t>7/1/24</a:t>
+              <a:t>7/8/24</a:t>
             </a:fld>
             <a:endParaRPr lang="en-US"/>
           </a:p>
@@ -2918,7 +2918,7 @@
           <a:p>
             <a:fld id="{80FC6068-BAFB-FC44-B9D8-F4B3BB105DE6}" type="datetimeFigureOut">
               <a:rPr lang="en-US" smtClean="0"/>
-              <a:t>7/1/24</a:t>
+              <a:t>7/8/24</a:t>
             </a:fld>
             <a:endParaRPr lang="en-US"/>
           </a:p>
@@ -3330,7 +3330,7 @@
           <a:p>
             <a:fld id="{80FC6068-BAFB-FC44-B9D8-F4B3BB105DE6}" type="datetimeFigureOut">
               <a:rPr lang="en-US" smtClean="0"/>
-              <a:t>7/1/24</a:t>
+              <a:t>7/8/24</a:t>
             </a:fld>
             <a:endParaRPr lang="en-US"/>
           </a:p>
@@ -3471,7 +3471,7 @@
           <a:p>
             <a:fld id="{80FC6068-BAFB-FC44-B9D8-F4B3BB105DE6}" type="datetimeFigureOut">
               <a:rPr lang="en-US" smtClean="0"/>
-              <a:t>7/1/24</a:t>
+              <a:t>7/8/24</a:t>
             </a:fld>
             <a:endParaRPr lang="en-US"/>
           </a:p>
@@ -3584,7 +3584,7 @@
           <a:p>
             <a:fld id="{80FC6068-BAFB-FC44-B9D8-F4B3BB105DE6}" type="datetimeFigureOut">
               <a:rPr lang="en-US" smtClean="0"/>
-              <a:t>7/1/24</a:t>
+              <a:t>7/8/24</a:t>
             </a:fld>
             <a:endParaRPr lang="en-US"/>
           </a:p>
@@ -3895,7 +3895,7 @@
           <a:p>
             <a:fld id="{80FC6068-BAFB-FC44-B9D8-F4B3BB105DE6}" type="datetimeFigureOut">
               <a:rPr lang="en-US" smtClean="0"/>
-              <a:t>7/1/24</a:t>
+              <a:t>7/8/24</a:t>
             </a:fld>
             <a:endParaRPr lang="en-US"/>
           </a:p>
@@ -4183,7 +4183,7 @@
           <a:p>
             <a:fld id="{80FC6068-BAFB-FC44-B9D8-F4B3BB105DE6}" type="datetimeFigureOut">
               <a:rPr lang="en-US" smtClean="0"/>
-              <a:t>7/1/24</a:t>
+              <a:t>7/8/24</a:t>
             </a:fld>
             <a:endParaRPr lang="en-US"/>
           </a:p>
@@ -4424,7 +4424,7 @@
           <a:p>
             <a:fld id="{80FC6068-BAFB-FC44-B9D8-F4B3BB105DE6}" type="datetimeFigureOut">
               <a:rPr lang="en-US" smtClean="0"/>
-              <a:t>7/1/24</a:t>
+              <a:t>7/8/24</a:t>
             </a:fld>
             <a:endParaRPr lang="en-US"/>
           </a:p>
@@ -5189,7 +5189,7 @@
             </a:r>
             <a:r>
               <a:rPr lang="en-US" dirty="0"/>
-              <a:t> have most low frequency variants, evidence for more terminal populations?</a:t>
+              <a:t> have most very low frequency variants, evidence for more terminal populations?</a:t>
             </a:r>
           </a:p>
         </p:txBody>

--- a/presentations/weekly_meetings/7_11_24.pptx
+++ b/presentations/weekly_meetings/7_11_24.pptx
@@ -216,7 +216,7 @@
           <a:p>
             <a:fld id="{E933A773-0DCE-3544-BB67-D5FA58DF903C}" type="datetimeFigureOut">
               <a:rPr lang="en-US" smtClean="0"/>
-              <a:t>7/8/24</a:t>
+              <a:t>7/11/24</a:t>
             </a:fld>
             <a:endParaRPr lang="en-US"/>
           </a:p>
@@ -746,7 +746,7 @@
                 <a:effectLst/>
                 <a:latin typeface="Menlo" panose="020B0609030804020204" pitchFamily="49" charset="0"/>
               </a:rPr>
-              <a:t> may introduce noise</a:t>
+              <a:t> may introduce noise, I believe 0.01 is recommended from sample size (0.5/sample of 50)</a:t>
             </a:r>
           </a:p>
         </p:txBody>
@@ -856,7 +856,7 @@
                 <a:effectLst/>
                 <a:latin typeface="Menlo" panose="020B0609030804020204" pitchFamily="49" charset="0"/>
               </a:rPr>
-              <a:t>Bimodal </a:t>
+              <a:t>I think bimodal distribution means frequent ones are “established” i.e. probably in most cells and older </a:t>
             </a:r>
             <a:r>
               <a:rPr lang="en-US" b="0" dirty="0" err="1">
@@ -866,7 +866,7 @@
                 <a:effectLst/>
                 <a:latin typeface="Menlo" panose="020B0609030804020204" pitchFamily="49" charset="0"/>
               </a:rPr>
-              <a:t>distirbutions</a:t>
+              <a:t>muts</a:t>
             </a:r>
             <a:r>
               <a:rPr lang="en-US" b="0" dirty="0">
@@ -876,47 +876,7 @@
                 <a:effectLst/>
                 <a:latin typeface="Menlo" panose="020B0609030804020204" pitchFamily="49" charset="0"/>
               </a:rPr>
-              <a:t> because of </a:t>
-            </a:r>
-            <a:r>
-              <a:rPr lang="en-US" b="0" dirty="0" err="1">
-                <a:solidFill>
-                  <a:srgbClr val="CCCCCC"/>
-                </a:solidFill>
-                <a:effectLst/>
-                <a:latin typeface="Menlo" panose="020B0609030804020204" pitchFamily="49" charset="0"/>
-              </a:rPr>
-              <a:t>heteroplasmy</a:t>
-            </a:r>
-            <a:r>
-              <a:rPr lang="en-US" b="0" dirty="0">
-                <a:solidFill>
-                  <a:srgbClr val="CCCCCC"/>
-                </a:solidFill>
-                <a:effectLst/>
-                <a:latin typeface="Menlo" panose="020B0609030804020204" pitchFamily="49" charset="0"/>
-              </a:rPr>
-              <a:t>, or a variant quickly becomes present in most of a population with cell divisions? </a:t>
-            </a:r>
-            <a:r>
-              <a:rPr lang="en-US" b="0" dirty="0" err="1">
-                <a:solidFill>
-                  <a:srgbClr val="CCCCCC"/>
-                </a:solidFill>
-                <a:effectLst/>
-                <a:latin typeface="Menlo" panose="020B0609030804020204" pitchFamily="49" charset="0"/>
-              </a:rPr>
-              <a:t>Ie</a:t>
-            </a:r>
-            <a:r>
-              <a:rPr lang="en-US" b="0" dirty="0">
-                <a:solidFill>
-                  <a:srgbClr val="CCCCCC"/>
-                </a:solidFill>
-                <a:effectLst/>
-                <a:latin typeface="Menlo" panose="020B0609030804020204" pitchFamily="49" charset="0"/>
-              </a:rPr>
-              <a:t> divisions faster than new var accumulation? Not sure…</a:t>
+              <a:t> and infrequent ones are newer and in fewer cells, and I suppose perhaps that the transition is quick from new to established so there are few intermediately frequent vars</a:t>
             </a:r>
           </a:p>
         </p:txBody>
@@ -1752,7 +1712,7 @@
           <a:p>
             <a:fld id="{80FC6068-BAFB-FC44-B9D8-F4B3BB105DE6}" type="datetimeFigureOut">
               <a:rPr lang="en-US" smtClean="0"/>
-              <a:t>7/8/24</a:t>
+              <a:t>7/11/24</a:t>
             </a:fld>
             <a:endParaRPr lang="en-US"/>
           </a:p>
@@ -1950,7 +1910,7 @@
           <a:p>
             <a:fld id="{80FC6068-BAFB-FC44-B9D8-F4B3BB105DE6}" type="datetimeFigureOut">
               <a:rPr lang="en-US" smtClean="0"/>
-              <a:t>7/8/24</a:t>
+              <a:t>7/11/24</a:t>
             </a:fld>
             <a:endParaRPr lang="en-US"/>
           </a:p>
@@ -2158,7 +2118,7 @@
           <a:p>
             <a:fld id="{80FC6068-BAFB-FC44-B9D8-F4B3BB105DE6}" type="datetimeFigureOut">
               <a:rPr lang="en-US" smtClean="0"/>
-              <a:t>7/8/24</a:t>
+              <a:t>7/11/24</a:t>
             </a:fld>
             <a:endParaRPr lang="en-US"/>
           </a:p>
@@ -2362,7 +2322,7 @@
           <a:p>
             <a:fld id="{80FC6068-BAFB-FC44-B9D8-F4B3BB105DE6}" type="datetimeFigureOut">
               <a:rPr lang="en-US" smtClean="0"/>
-              <a:t>7/8/24</a:t>
+              <a:t>7/11/24</a:t>
             </a:fld>
             <a:endParaRPr lang="en-US"/>
           </a:p>
@@ -2653,7 +2613,7 @@
           <a:p>
             <a:fld id="{80FC6068-BAFB-FC44-B9D8-F4B3BB105DE6}" type="datetimeFigureOut">
               <a:rPr lang="en-US" smtClean="0"/>
-              <a:t>7/8/24</a:t>
+              <a:t>7/11/24</a:t>
             </a:fld>
             <a:endParaRPr lang="en-US"/>
           </a:p>
@@ -2918,7 +2878,7 @@
           <a:p>
             <a:fld id="{80FC6068-BAFB-FC44-B9D8-F4B3BB105DE6}" type="datetimeFigureOut">
               <a:rPr lang="en-US" smtClean="0"/>
-              <a:t>7/8/24</a:t>
+              <a:t>7/11/24</a:t>
             </a:fld>
             <a:endParaRPr lang="en-US"/>
           </a:p>
@@ -3330,7 +3290,7 @@
           <a:p>
             <a:fld id="{80FC6068-BAFB-FC44-B9D8-F4B3BB105DE6}" type="datetimeFigureOut">
               <a:rPr lang="en-US" smtClean="0"/>
-              <a:t>7/8/24</a:t>
+              <a:t>7/11/24</a:t>
             </a:fld>
             <a:endParaRPr lang="en-US"/>
           </a:p>
@@ -3471,7 +3431,7 @@
           <a:p>
             <a:fld id="{80FC6068-BAFB-FC44-B9D8-F4B3BB105DE6}" type="datetimeFigureOut">
               <a:rPr lang="en-US" smtClean="0"/>
-              <a:t>7/8/24</a:t>
+              <a:t>7/11/24</a:t>
             </a:fld>
             <a:endParaRPr lang="en-US"/>
           </a:p>
@@ -3584,7 +3544,7 @@
           <a:p>
             <a:fld id="{80FC6068-BAFB-FC44-B9D8-F4B3BB105DE6}" type="datetimeFigureOut">
               <a:rPr lang="en-US" smtClean="0"/>
-              <a:t>7/8/24</a:t>
+              <a:t>7/11/24</a:t>
             </a:fld>
             <a:endParaRPr lang="en-US"/>
           </a:p>
@@ -3895,7 +3855,7 @@
           <a:p>
             <a:fld id="{80FC6068-BAFB-FC44-B9D8-F4B3BB105DE6}" type="datetimeFigureOut">
               <a:rPr lang="en-US" smtClean="0"/>
-              <a:t>7/8/24</a:t>
+              <a:t>7/11/24</a:t>
             </a:fld>
             <a:endParaRPr lang="en-US"/>
           </a:p>
@@ -4183,7 +4143,7 @@
           <a:p>
             <a:fld id="{80FC6068-BAFB-FC44-B9D8-F4B3BB105DE6}" type="datetimeFigureOut">
               <a:rPr lang="en-US" smtClean="0"/>
-              <a:t>7/8/24</a:t>
+              <a:t>7/11/24</a:t>
             </a:fld>
             <a:endParaRPr lang="en-US"/>
           </a:p>
@@ -4424,7 +4384,7 @@
           <a:p>
             <a:fld id="{80FC6068-BAFB-FC44-B9D8-F4B3BB105DE6}" type="datetimeFigureOut">
               <a:rPr lang="en-US" smtClean="0"/>
-              <a:t>7/8/24</a:t>
+              <a:t>7/11/24</a:t>
             </a:fld>
             <a:endParaRPr lang="en-US"/>
           </a:p>
@@ -4998,7 +4958,10 @@
           </a:bodyPr>
           <a:lstStyle/>
           <a:p>
-            <a:endParaRPr lang="en-US" dirty="0"/>
+            <a:r>
+              <a:rPr lang="en-US" dirty="0"/>
+              <a:t>P576 MT var analyses</a:t>
+            </a:r>
           </a:p>
         </p:txBody>
       </p:sp>
@@ -5283,7 +5246,7 @@
         <p:spPr>
           <a:xfrm>
             <a:off x="956734" y="1288054"/>
-            <a:ext cx="8466666" cy="5204821"/>
+            <a:ext cx="8941618" cy="5496794"/>
           </a:xfrm>
           <a:prstGeom prst="rect">
             <a:avLst/>
@@ -6115,13 +6078,46 @@
               <a:rPr lang="en-US" dirty="0">
                 <a:sym typeface="Wingdings" pitchFamily="2" charset="2"/>
               </a:rPr>
-              <a:t> is most terminal cell sort, along with DP PD-1</a:t>
+              <a:t>, along with DP PD-1</a:t>
             </a:r>
             <a:r>
               <a:rPr lang="en-US" baseline="30000" dirty="0">
                 <a:sym typeface="Wingdings" pitchFamily="2" charset="2"/>
               </a:rPr>
               <a:t>+</a:t>
+            </a:r>
+            <a:r>
+              <a:rPr lang="en-US" dirty="0">
+                <a:sym typeface="Wingdings" pitchFamily="2" charset="2"/>
+              </a:rPr>
+              <a:t>,</a:t>
+            </a:r>
+            <a:r>
+              <a:rPr lang="en-US" baseline="30000" dirty="0">
+                <a:sym typeface="Wingdings" pitchFamily="2" charset="2"/>
+              </a:rPr>
+              <a:t> </a:t>
+            </a:r>
+            <a:r>
+              <a:rPr lang="en-US" dirty="0">
+                <a:sym typeface="Wingdings" pitchFamily="2" charset="2"/>
+              </a:rPr>
+              <a:t>are the most terminal cell types</a:t>
+            </a:r>
+            <a:endParaRPr lang="en-US" baseline="30000" dirty="0">
+              <a:sym typeface="Wingdings" pitchFamily="2" charset="2"/>
+            </a:endParaRPr>
+          </a:p>
+          <a:p>
+            <a:pPr marL="514350" indent="-514350">
+              <a:buFont typeface="+mj-lt"/>
+              <a:buAutoNum type="arabicPeriod"/>
+            </a:pPr>
+            <a:r>
+              <a:rPr lang="en-US" dirty="0">
+                <a:sym typeface="Wingdings" pitchFamily="2" charset="2"/>
+              </a:rPr>
+              <a:t>Using DN’s MT genome for alignment and variant calling unexpectedly didn’t result in obvious differences (data not shown), so I’m dropping this lead</a:t>
             </a:r>
           </a:p>
         </p:txBody>
@@ -6222,9 +6218,24 @@
               <a:buFont typeface="+mj-lt"/>
               <a:buAutoNum type="arabicPeriod"/>
             </a:pPr>
-            <a:endParaRPr lang="en-US" dirty="0">
-              <a:sym typeface="Wingdings" pitchFamily="2" charset="2"/>
-            </a:endParaRPr>
+            <a:r>
+              <a:rPr lang="en-US" dirty="0">
+                <a:sym typeface="Wingdings" pitchFamily="2" charset="2"/>
+              </a:rPr>
+              <a:t>Working to analyze Erin’s T1DAL </a:t>
+            </a:r>
+            <a:r>
+              <a:rPr lang="en-US" dirty="0" err="1">
+                <a:sym typeface="Wingdings" pitchFamily="2" charset="2"/>
+              </a:rPr>
+              <a:t>RNAseq</a:t>
+            </a:r>
+            <a:r>
+              <a:rPr lang="en-US" dirty="0">
+                <a:sym typeface="Wingdings" pitchFamily="2" charset="2"/>
+              </a:rPr>
+              <a:t> (P362) – in progress</a:t>
+            </a:r>
           </a:p>
         </p:txBody>
       </p:sp>
